--- a/toSubmit/IPCV-Project 4.pptx
+++ b/toSubmit/IPCV-Project 4.pptx
@@ -13,14 +13,15 @@
     <p:sldMasterId id="2147483967" r:id="rId9"/>
   </p:sldMasterIdLst>
   <p:notesMasterIdLst>
-    <p:notesMasterId r:id="rId12"/>
+    <p:notesMasterId r:id="rId13"/>
   </p:notesMasterIdLst>
   <p:handoutMasterIdLst>
-    <p:handoutMasterId r:id="rId13"/>
+    <p:handoutMasterId r:id="rId14"/>
   </p:handoutMasterIdLst>
   <p:sldIdLst>
     <p:sldId id="262" r:id="rId10"/>
     <p:sldId id="263" r:id="rId11"/>
+    <p:sldId id="264" r:id="rId12"/>
   </p:sldIdLst>
   <p:sldSz cx="12192000" cy="6858000"/>
   <p:notesSz cx="6858000" cy="9144000"/>
@@ -47393,7 +47394,10 @@
           <a:bodyPr/>
           <a:lstStyle/>
           <a:p>
-            <a:endParaRPr lang="en-IN"/>
+            <a:r>
+              <a:rPr lang="en-IN" dirty="0"/>
+              <a:t>Methodology</a:t>
+            </a:r>
           </a:p>
         </p:txBody>
       </p:sp>
@@ -47418,7 +47422,37 @@
           <a:bodyPr/>
           <a:lstStyle/>
           <a:p>
-            <a:endParaRPr lang="en-IN"/>
+            <a:r>
+              <a:rPr lang="en-IN" dirty="0"/>
+              <a:t>Camera calibration</a:t>
+            </a:r>
+          </a:p>
+          <a:p>
+            <a:r>
+              <a:rPr lang="en-IN" dirty="0"/>
+              <a:t>Selecting Regions of Interest (ROI)</a:t>
+            </a:r>
+          </a:p>
+          <a:p>
+            <a:r>
+              <a:rPr lang="en-IN" dirty="0"/>
+              <a:t>Tracking Regions of Interest</a:t>
+            </a:r>
+          </a:p>
+          <a:p>
+            <a:r>
+              <a:rPr lang="en-IN" dirty="0"/>
+              <a:t>Triangulating the ROIs in 3D space</a:t>
+            </a:r>
+          </a:p>
+          <a:p>
+            <a:r>
+              <a:rPr lang="en-IN" dirty="0"/>
+              <a:t>Range of motion estimation from fixed coordinate system on subject’s face.</a:t>
+            </a:r>
+          </a:p>
+          <a:p>
+            <a:endParaRPr lang="en-IN" dirty="0"/>
           </a:p>
         </p:txBody>
       </p:sp>
@@ -47493,6 +47527,127 @@
     <p:extLst>
       <p:ext uri="{BB962C8B-B14F-4D97-AF65-F5344CB8AC3E}">
         <p14:creationId xmlns:p14="http://schemas.microsoft.com/office/powerpoint/2010/main" val="46399539"/>
+      </p:ext>
+    </p:extLst>
+  </p:cSld>
+  <p:clrMapOvr>
+    <a:masterClrMapping/>
+  </p:clrMapOvr>
+</p:sld>
+</file>
+
+<file path=ppt/slides/slide3.xml><?xml version="1.0" encoding="utf-8"?>
+<p:sld xmlns:a="http://schemas.openxmlformats.org/drawingml/2006/main" xmlns:r="http://schemas.openxmlformats.org/officeDocument/2006/relationships" xmlns:p="http://schemas.openxmlformats.org/presentationml/2006/main">
+  <p:cSld>
+    <p:spTree>
+      <p:nvGrpSpPr>
+        <p:cNvPr id="1" name=""/>
+        <p:cNvGrpSpPr/>
+        <p:nvPr/>
+      </p:nvGrpSpPr>
+      <p:grpSpPr>
+        <a:xfrm>
+          <a:off x="0" y="0"/>
+          <a:ext cx="0" cy="0"/>
+          <a:chOff x="0" y="0"/>
+          <a:chExt cx="0" cy="0"/>
+        </a:xfrm>
+      </p:grpSpPr>
+      <p:sp>
+        <p:nvSpPr>
+          <p:cNvPr id="2" name="Title 1">
+            <a:extLst>
+              <a:ext uri="{FF2B5EF4-FFF2-40B4-BE49-F238E27FC236}">
+                <a16:creationId xmlns:a16="http://schemas.microsoft.com/office/drawing/2014/main" id="{AA9534CF-9AE3-46F6-A2F7-D561B35CCB85}"/>
+              </a:ext>
+            </a:extLst>
+          </p:cNvPr>
+          <p:cNvSpPr>
+            <a:spLocks noGrp="1"/>
+          </p:cNvSpPr>
+          <p:nvPr>
+            <p:ph type="title"/>
+          </p:nvPr>
+        </p:nvSpPr>
+        <p:spPr/>
+        <p:txBody>
+          <a:bodyPr/>
+          <a:lstStyle/>
+          <a:p>
+            <a:r>
+              <a:rPr lang="en-IN" dirty="0"/>
+              <a:t>Camera calibration</a:t>
+            </a:r>
+          </a:p>
+        </p:txBody>
+      </p:sp>
+      <p:sp>
+        <p:nvSpPr>
+          <p:cNvPr id="3" name="Content Placeholder 2">
+            <a:extLst>
+              <a:ext uri="{FF2B5EF4-FFF2-40B4-BE49-F238E27FC236}">
+                <a16:creationId xmlns:a16="http://schemas.microsoft.com/office/drawing/2014/main" id="{C10112A8-D0D2-4E98-BC36-296869984F78}"/>
+              </a:ext>
+            </a:extLst>
+          </p:cNvPr>
+          <p:cNvSpPr>
+            <a:spLocks noGrp="1"/>
+          </p:cNvSpPr>
+          <p:nvPr>
+            <p:ph sz="half" idx="1"/>
+          </p:nvPr>
+        </p:nvSpPr>
+        <p:spPr/>
+        <p:txBody>
+          <a:bodyPr/>
+          <a:lstStyle/>
+          <a:p>
+            <a:r>
+              <a:rPr lang="en-IN" dirty="0"/>
+              <a:t>Move this to the end and add </a:t>
+            </a:r>
+            <a:r>
+              <a:rPr lang="en-IN"/>
+              <a:t>pics from it.</a:t>
+            </a:r>
+            <a:endParaRPr lang="en-IN" dirty="0"/>
+          </a:p>
+        </p:txBody>
+      </p:sp>
+      <p:sp>
+        <p:nvSpPr>
+          <p:cNvPr id="4" name="Slide Number Placeholder 3">
+            <a:extLst>
+              <a:ext uri="{FF2B5EF4-FFF2-40B4-BE49-F238E27FC236}">
+                <a16:creationId xmlns:a16="http://schemas.microsoft.com/office/drawing/2014/main" id="{A646306B-1B7E-4F45-BCD9-E8BC65DB0DE0}"/>
+              </a:ext>
+            </a:extLst>
+          </p:cNvPr>
+          <p:cNvSpPr>
+            <a:spLocks noGrp="1"/>
+          </p:cNvSpPr>
+          <p:nvPr>
+            <p:ph type="sldNum" sz="quarter" idx="10"/>
+          </p:nvPr>
+        </p:nvSpPr>
+        <p:spPr/>
+        <p:txBody>
+          <a:bodyPr/>
+          <a:lstStyle/>
+          <a:p>
+            <a:fld id="{6586D83B-F5E2-6149-B7DD-0F6F1BA75908}" type="slidenum">
+              <a:rPr lang="en-US" smtClean="0"/>
+              <a:pPr/>
+              <a:t>3</a:t>
+            </a:fld>
+            <a:endParaRPr lang="en-US" dirty="0"/>
+          </a:p>
+        </p:txBody>
+      </p:sp>
+    </p:spTree>
+    <p:extLst>
+      <p:ext uri="{BB962C8B-B14F-4D97-AF65-F5344CB8AC3E}">
+        <p14:creationId xmlns:p14="http://schemas.microsoft.com/office/powerpoint/2010/main" val="2807843227"/>
       </p:ext>
     </p:extLst>
   </p:cSld>
